--- a/2023/Projects/Силин Данил/Samsung_presentation.pptx
+++ b/2023/Projects/Силин Данил/Samsung_presentation.pptx
@@ -8,10 +8,12 @@
     <p:sldId id="256" r:id="rId2"/>
     <p:sldId id="271" r:id="rId3"/>
     <p:sldId id="272" r:id="rId4"/>
-    <p:sldId id="260" r:id="rId5"/>
-    <p:sldId id="265" r:id="rId6"/>
-    <p:sldId id="276" r:id="rId7"/>
-    <p:sldId id="275" r:id="rId8"/>
+    <p:sldId id="277" r:id="rId5"/>
+    <p:sldId id="278" r:id="rId6"/>
+    <p:sldId id="279" r:id="rId7"/>
+    <p:sldId id="260" r:id="rId8"/>
+    <p:sldId id="276" r:id="rId9"/>
+    <p:sldId id="275" r:id="rId10"/>
   </p:sldIdLst>
   <p:sldSz cx="9144000" cy="5143500" type="screen16x9"/>
   <p:notesSz cx="6858000" cy="9144000"/>
@@ -422,7 +424,7 @@
               <a:pPr>
                 <a:defRPr/>
               </a:pPr>
-              <a:t>5/20/2023</a:t>
+              <a:t>5/22/2023</a:t>
             </a:fld>
             <a:endParaRPr lang="en-US" dirty="0"/>
           </a:p>
@@ -625,7 +627,7 @@
               <a:pPr>
                 <a:defRPr/>
               </a:pPr>
-              <a:t>5/20/2023</a:t>
+              <a:t>5/22/2023</a:t>
             </a:fld>
             <a:endParaRPr lang="en-US"/>
           </a:p>
@@ -830,7 +832,7 @@
               <a:pPr>
                 <a:defRPr/>
               </a:pPr>
-              <a:t>5/20/2023</a:t>
+              <a:t>5/22/2023</a:t>
             </a:fld>
             <a:endParaRPr lang="en-US"/>
           </a:p>
@@ -1025,7 +1027,7 @@
               <a:pPr>
                 <a:defRPr/>
               </a:pPr>
-              <a:t>5/20/2023</a:t>
+              <a:t>5/22/2023</a:t>
             </a:fld>
             <a:endParaRPr lang="en-US"/>
           </a:p>
@@ -1297,7 +1299,7 @@
               <a:pPr>
                 <a:defRPr/>
               </a:pPr>
-              <a:t>5/20/2023</a:t>
+              <a:t>5/22/2023</a:t>
             </a:fld>
             <a:endParaRPr lang="en-US"/>
           </a:p>
@@ -1609,7 +1611,7 @@
               <a:pPr>
                 <a:defRPr/>
               </a:pPr>
-              <a:t>5/20/2023</a:t>
+              <a:t>5/22/2023</a:t>
             </a:fld>
             <a:endParaRPr lang="en-US"/>
           </a:p>
@@ -2060,7 +2062,7 @@
               <a:pPr>
                 <a:defRPr/>
               </a:pPr>
-              <a:t>5/20/2023</a:t>
+              <a:t>5/22/2023</a:t>
             </a:fld>
             <a:endParaRPr lang="en-US"/>
           </a:p>
@@ -2204,7 +2206,7 @@
               <a:pPr>
                 <a:defRPr/>
               </a:pPr>
-              <a:t>5/20/2023</a:t>
+              <a:t>5/22/2023</a:t>
             </a:fld>
             <a:endParaRPr lang="en-US"/>
           </a:p>
@@ -2326,7 +2328,7 @@
               <a:pPr>
                 <a:defRPr/>
               </a:pPr>
-              <a:t>5/20/2023</a:t>
+              <a:t>5/22/2023</a:t>
             </a:fld>
             <a:endParaRPr lang="en-US"/>
           </a:p>
@@ -2628,7 +2630,7 @@
               <a:pPr>
                 <a:defRPr/>
               </a:pPr>
-              <a:t>5/20/2023</a:t>
+              <a:t>5/22/2023</a:t>
             </a:fld>
             <a:endParaRPr lang="en-US"/>
           </a:p>
@@ -2910,7 +2912,7 @@
               <a:pPr>
                 <a:defRPr/>
               </a:pPr>
-              <a:t>5/20/2023</a:t>
+              <a:t>5/22/2023</a:t>
             </a:fld>
             <a:endParaRPr lang="en-US"/>
           </a:p>
@@ -3267,7 +3269,7 @@
               <a:pPr>
                 <a:defRPr/>
               </a:pPr>
-              <a:t>5/20/2023</a:t>
+              <a:t>5/22/2023</a:t>
             </a:fld>
             <a:endParaRPr lang="en-US"/>
           </a:p>
@@ -4509,6 +4511,507 @@
       </p:grpSpPr>
       <p:sp>
         <p:nvSpPr>
+          <p:cNvPr id="2" name="Заголовок 1">
+            <a:extLst>
+              <a:ext uri="{FF2B5EF4-FFF2-40B4-BE49-F238E27FC236}">
+                <a16:creationId xmlns:a16="http://schemas.microsoft.com/office/drawing/2014/main" id="{A21E1F75-19E4-4525-B42C-03A5F733E3ED}"/>
+              </a:ext>
+            </a:extLst>
+          </p:cNvPr>
+          <p:cNvSpPr>
+            <a:spLocks noGrp="1"/>
+          </p:cNvSpPr>
+          <p:nvPr>
+            <p:ph type="title"/>
+          </p:nvPr>
+        </p:nvSpPr>
+        <p:spPr/>
+        <p:txBody>
+          <a:bodyPr/>
+          <a:lstStyle/>
+          <a:p>
+            <a:r>
+              <a:rPr lang="ru-RU" dirty="0"/>
+              <a:t>О приложении</a:t>
+            </a:r>
+          </a:p>
+        </p:txBody>
+      </p:sp>
+      <p:pic>
+        <p:nvPicPr>
+          <p:cNvPr id="4" name="Рисунок 3">
+            <a:extLst>
+              <a:ext uri="{FF2B5EF4-FFF2-40B4-BE49-F238E27FC236}">
+                <a16:creationId xmlns:a16="http://schemas.microsoft.com/office/drawing/2014/main" id="{951E0110-1C99-4D6F-9BD3-BE7E545FE444}"/>
+              </a:ext>
+            </a:extLst>
+          </p:cNvPr>
+          <p:cNvPicPr>
+            <a:picLocks noChangeAspect="1"/>
+          </p:cNvPicPr>
+          <p:nvPr/>
+        </p:nvPicPr>
+        <p:blipFill>
+          <a:blip r:embed="rId2"/>
+          <a:stretch>
+            <a:fillRect/>
+          </a:stretch>
+        </p:blipFill>
+        <p:spPr>
+          <a:xfrm>
+            <a:off x="457200" y="930940"/>
+            <a:ext cx="2068859" cy="4212560"/>
+          </a:xfrm>
+          <a:prstGeom prst="rect">
+            <a:avLst/>
+          </a:prstGeom>
+        </p:spPr>
+      </p:pic>
+      <p:sp>
+        <p:nvSpPr>
+          <p:cNvPr id="6" name="TextBox 5">
+            <a:extLst>
+              <a:ext uri="{FF2B5EF4-FFF2-40B4-BE49-F238E27FC236}">
+                <a16:creationId xmlns:a16="http://schemas.microsoft.com/office/drawing/2014/main" id="{5D1F89D6-8F42-4E7F-9E0C-E288789EDEE2}"/>
+              </a:ext>
+            </a:extLst>
+          </p:cNvPr>
+          <p:cNvSpPr txBox="1"/>
+          <p:nvPr/>
+        </p:nvSpPr>
+        <p:spPr>
+          <a:xfrm>
+            <a:off x="3505200" y="1352550"/>
+            <a:ext cx="4582084" cy="1200329"/>
+          </a:xfrm>
+          <a:prstGeom prst="rect">
+            <a:avLst/>
+          </a:prstGeom>
+          <a:noFill/>
+        </p:spPr>
+        <p:txBody>
+          <a:bodyPr wrap="square">
+            <a:spAutoFit/>
+          </a:bodyPr>
+          <a:lstStyle/>
+          <a:p>
+            <a:r>
+              <a:rPr lang="ru-RU" dirty="0"/>
+              <a:t>В главном меню можно выбрать режим сложности и начать решать примеры, или нажав на кнопку </a:t>
+            </a:r>
+            <a:r>
+              <a:rPr lang="en-US" dirty="0"/>
+              <a:t>“</a:t>
+            </a:r>
+            <a:r>
+              <a:rPr lang="ru-RU" dirty="0"/>
+              <a:t>последовательность</a:t>
+            </a:r>
+            <a:r>
+              <a:rPr lang="en-US" dirty="0"/>
+              <a:t>”</a:t>
+            </a:r>
+            <a:r>
+              <a:rPr lang="ru-RU" dirty="0"/>
+              <a:t> сыграть в игру.</a:t>
+            </a:r>
+          </a:p>
+        </p:txBody>
+      </p:sp>
+    </p:spTree>
+    <p:extLst>
+      <p:ext uri="{BB962C8B-B14F-4D97-AF65-F5344CB8AC3E}">
+        <p14:creationId xmlns:p14="http://schemas.microsoft.com/office/powerpoint/2010/main" val="2580991370"/>
+      </p:ext>
+    </p:extLst>
+  </p:cSld>
+  <p:clrMapOvr>
+    <a:masterClrMapping/>
+  </p:clrMapOvr>
+</p:sld>
+</file>
+
+<file path=ppt/slides/slide5.xml><?xml version="1.0" encoding="utf-8"?>
+<p:sld xmlns:a="http://schemas.openxmlformats.org/drawingml/2006/main" xmlns:r="http://schemas.openxmlformats.org/officeDocument/2006/relationships" xmlns:p="http://schemas.openxmlformats.org/presentationml/2006/main">
+  <p:cSld>
+    <p:spTree>
+      <p:nvGrpSpPr>
+        <p:cNvPr id="1" name=""/>
+        <p:cNvGrpSpPr/>
+        <p:nvPr/>
+      </p:nvGrpSpPr>
+      <p:grpSpPr>
+        <a:xfrm>
+          <a:off x="0" y="0"/>
+          <a:ext cx="0" cy="0"/>
+          <a:chOff x="0" y="0"/>
+          <a:chExt cx="0" cy="0"/>
+        </a:xfrm>
+      </p:grpSpPr>
+      <p:sp>
+        <p:nvSpPr>
+          <p:cNvPr id="2" name="Заголовок 1">
+            <a:extLst>
+              <a:ext uri="{FF2B5EF4-FFF2-40B4-BE49-F238E27FC236}">
+                <a16:creationId xmlns:a16="http://schemas.microsoft.com/office/drawing/2014/main" id="{B2DAF286-CBBE-462F-B20D-98059C754F88}"/>
+              </a:ext>
+            </a:extLst>
+          </p:cNvPr>
+          <p:cNvSpPr>
+            <a:spLocks noGrp="1"/>
+          </p:cNvSpPr>
+          <p:nvPr>
+            <p:ph type="title"/>
+          </p:nvPr>
+        </p:nvSpPr>
+        <p:spPr/>
+        <p:txBody>
+          <a:bodyPr/>
+          <a:lstStyle/>
+          <a:p>
+            <a:r>
+              <a:rPr lang="ru-RU" dirty="0"/>
+              <a:t>Примеры</a:t>
+            </a:r>
+          </a:p>
+        </p:txBody>
+      </p:sp>
+      <p:pic>
+        <p:nvPicPr>
+          <p:cNvPr id="13" name="Рисунок 12">
+            <a:extLst>
+              <a:ext uri="{FF2B5EF4-FFF2-40B4-BE49-F238E27FC236}">
+                <a16:creationId xmlns:a16="http://schemas.microsoft.com/office/drawing/2014/main" id="{DF662298-04E9-4DB8-B237-1947AE465695}"/>
+              </a:ext>
+            </a:extLst>
+          </p:cNvPr>
+          <p:cNvPicPr>
+            <a:picLocks noChangeAspect="1"/>
+          </p:cNvPicPr>
+          <p:nvPr/>
+        </p:nvPicPr>
+        <p:blipFill>
+          <a:blip r:embed="rId2"/>
+          <a:stretch>
+            <a:fillRect/>
+          </a:stretch>
+        </p:blipFill>
+        <p:spPr>
+          <a:xfrm>
+            <a:off x="119484" y="1047751"/>
+            <a:ext cx="1981200" cy="3865632"/>
+          </a:xfrm>
+          <a:prstGeom prst="rect">
+            <a:avLst/>
+          </a:prstGeom>
+        </p:spPr>
+      </p:pic>
+      <p:pic>
+        <p:nvPicPr>
+          <p:cNvPr id="26" name="Рисунок 25">
+            <a:extLst>
+              <a:ext uri="{FF2B5EF4-FFF2-40B4-BE49-F238E27FC236}">
+                <a16:creationId xmlns:a16="http://schemas.microsoft.com/office/drawing/2014/main" id="{FB38C28A-B552-4170-885A-D7375B542583}"/>
+              </a:ext>
+            </a:extLst>
+          </p:cNvPr>
+          <p:cNvPicPr>
+            <a:picLocks noChangeAspect="1"/>
+          </p:cNvPicPr>
+          <p:nvPr/>
+        </p:nvPicPr>
+        <p:blipFill>
+          <a:blip r:embed="rId3">
+            <a:extLst>
+              <a:ext uri="{28A0092B-C50C-407E-A947-70E740481C1C}">
+                <a14:useLocalDpi xmlns:a14="http://schemas.microsoft.com/office/drawing/2010/main" val="0"/>
+              </a:ext>
+            </a:extLst>
+          </a:blip>
+          <a:stretch>
+            <a:fillRect/>
+          </a:stretch>
+        </p:blipFill>
+        <p:spPr>
+          <a:xfrm>
+            <a:off x="4767309" y="1017284"/>
+            <a:ext cx="1955166" cy="3894978"/>
+          </a:xfrm>
+          <a:prstGeom prst="rect">
+            <a:avLst/>
+          </a:prstGeom>
+        </p:spPr>
+      </p:pic>
+      <p:pic>
+        <p:nvPicPr>
+          <p:cNvPr id="30" name="Рисунок 29">
+            <a:extLst>
+              <a:ext uri="{FF2B5EF4-FFF2-40B4-BE49-F238E27FC236}">
+                <a16:creationId xmlns:a16="http://schemas.microsoft.com/office/drawing/2014/main" id="{EC2CB7B3-27B1-44AC-A2A4-A00CCEF53F2E}"/>
+              </a:ext>
+            </a:extLst>
+          </p:cNvPr>
+          <p:cNvPicPr>
+            <a:picLocks noChangeAspect="1"/>
+          </p:cNvPicPr>
+          <p:nvPr/>
+        </p:nvPicPr>
+        <p:blipFill>
+          <a:blip r:embed="rId4">
+            <a:extLst>
+              <a:ext uri="{28A0092B-C50C-407E-A947-70E740481C1C}">
+                <a14:useLocalDpi xmlns:a14="http://schemas.microsoft.com/office/drawing/2010/main" val="0"/>
+              </a:ext>
+            </a:extLst>
+          </a:blip>
+          <a:stretch>
+            <a:fillRect/>
+          </a:stretch>
+        </p:blipFill>
+        <p:spPr>
+          <a:xfrm>
+            <a:off x="7086600" y="1047751"/>
+            <a:ext cx="1937916" cy="3865632"/>
+          </a:xfrm>
+          <a:prstGeom prst="rect">
+            <a:avLst/>
+          </a:prstGeom>
+        </p:spPr>
+      </p:pic>
+      <p:pic>
+        <p:nvPicPr>
+          <p:cNvPr id="32" name="Рисунок 31">
+            <a:extLst>
+              <a:ext uri="{FF2B5EF4-FFF2-40B4-BE49-F238E27FC236}">
+                <a16:creationId xmlns:a16="http://schemas.microsoft.com/office/drawing/2014/main" id="{CAB06FA9-5DF4-4F0C-9FC1-4C67394B8D87}"/>
+              </a:ext>
+            </a:extLst>
+          </p:cNvPr>
+          <p:cNvPicPr>
+            <a:picLocks noChangeAspect="1"/>
+          </p:cNvPicPr>
+          <p:nvPr/>
+        </p:nvPicPr>
+        <p:blipFill>
+          <a:blip r:embed="rId5">
+            <a:extLst>
+              <a:ext uri="{28A0092B-C50C-407E-A947-70E740481C1C}">
+                <a14:useLocalDpi xmlns:a14="http://schemas.microsoft.com/office/drawing/2010/main" val="0"/>
+              </a:ext>
+            </a:extLst>
+          </a:blip>
+          <a:stretch>
+            <a:fillRect/>
+          </a:stretch>
+        </p:blipFill>
+        <p:spPr>
+          <a:xfrm>
+            <a:off x="2467939" y="1062424"/>
+            <a:ext cx="1937889" cy="3865632"/>
+          </a:xfrm>
+          <a:prstGeom prst="rect">
+            <a:avLst/>
+          </a:prstGeom>
+        </p:spPr>
+      </p:pic>
+    </p:spTree>
+    <p:extLst>
+      <p:ext uri="{BB962C8B-B14F-4D97-AF65-F5344CB8AC3E}">
+        <p14:creationId xmlns:p14="http://schemas.microsoft.com/office/powerpoint/2010/main" val="3264532585"/>
+      </p:ext>
+    </p:extLst>
+  </p:cSld>
+  <p:clrMapOvr>
+    <a:masterClrMapping/>
+  </p:clrMapOvr>
+</p:sld>
+</file>
+
+<file path=ppt/slides/slide6.xml><?xml version="1.0" encoding="utf-8"?>
+<p:sld xmlns:a="http://schemas.openxmlformats.org/drawingml/2006/main" xmlns:r="http://schemas.openxmlformats.org/officeDocument/2006/relationships" xmlns:p="http://schemas.openxmlformats.org/presentationml/2006/main">
+  <p:cSld>
+    <p:spTree>
+      <p:nvGrpSpPr>
+        <p:cNvPr id="1" name=""/>
+        <p:cNvGrpSpPr/>
+        <p:nvPr/>
+      </p:nvGrpSpPr>
+      <p:grpSpPr>
+        <a:xfrm>
+          <a:off x="0" y="0"/>
+          <a:ext cx="0" cy="0"/>
+          <a:chOff x="0" y="0"/>
+          <a:chExt cx="0" cy="0"/>
+        </a:xfrm>
+      </p:grpSpPr>
+      <p:sp>
+        <p:nvSpPr>
+          <p:cNvPr id="2" name="Заголовок 1">
+            <a:extLst>
+              <a:ext uri="{FF2B5EF4-FFF2-40B4-BE49-F238E27FC236}">
+                <a16:creationId xmlns:a16="http://schemas.microsoft.com/office/drawing/2014/main" id="{30D1C879-A9C9-4115-808E-49444546C16A}"/>
+              </a:ext>
+            </a:extLst>
+          </p:cNvPr>
+          <p:cNvSpPr>
+            <a:spLocks noGrp="1"/>
+          </p:cNvSpPr>
+          <p:nvPr>
+            <p:ph type="title"/>
+          </p:nvPr>
+        </p:nvSpPr>
+        <p:spPr/>
+        <p:txBody>
+          <a:bodyPr/>
+          <a:lstStyle/>
+          <a:p>
+            <a:r>
+              <a:rPr lang="ru-RU" dirty="0"/>
+              <a:t>Последовательности</a:t>
+            </a:r>
+          </a:p>
+        </p:txBody>
+      </p:sp>
+      <p:pic>
+        <p:nvPicPr>
+          <p:cNvPr id="4" name="Рисунок 3">
+            <a:extLst>
+              <a:ext uri="{FF2B5EF4-FFF2-40B4-BE49-F238E27FC236}">
+                <a16:creationId xmlns:a16="http://schemas.microsoft.com/office/drawing/2014/main" id="{21444FEC-F67D-4200-B8A8-F34A2A178DB3}"/>
+              </a:ext>
+            </a:extLst>
+          </p:cNvPr>
+          <p:cNvPicPr>
+            <a:picLocks noChangeAspect="1"/>
+          </p:cNvPicPr>
+          <p:nvPr/>
+        </p:nvPicPr>
+        <p:blipFill>
+          <a:blip r:embed="rId2">
+            <a:extLst>
+              <a:ext uri="{28A0092B-C50C-407E-A947-70E740481C1C}">
+                <a14:useLocalDpi xmlns:a14="http://schemas.microsoft.com/office/drawing/2010/main" val="0"/>
+              </a:ext>
+            </a:extLst>
+          </a:blip>
+          <a:stretch>
+            <a:fillRect/>
+          </a:stretch>
+        </p:blipFill>
+        <p:spPr>
+          <a:xfrm>
+            <a:off x="609600" y="971550"/>
+            <a:ext cx="2068662" cy="4110318"/>
+          </a:xfrm>
+          <a:prstGeom prst="rect">
+            <a:avLst/>
+          </a:prstGeom>
+        </p:spPr>
+      </p:pic>
+      <p:pic>
+        <p:nvPicPr>
+          <p:cNvPr id="6" name="Рисунок 5">
+            <a:extLst>
+              <a:ext uri="{FF2B5EF4-FFF2-40B4-BE49-F238E27FC236}">
+                <a16:creationId xmlns:a16="http://schemas.microsoft.com/office/drawing/2014/main" id="{48F1EA15-03ED-427C-A747-D59AF1EADF77}"/>
+              </a:ext>
+            </a:extLst>
+          </p:cNvPr>
+          <p:cNvPicPr>
+            <a:picLocks noChangeAspect="1"/>
+          </p:cNvPicPr>
+          <p:nvPr/>
+        </p:nvPicPr>
+        <p:blipFill>
+          <a:blip r:embed="rId3">
+            <a:extLst>
+              <a:ext uri="{28A0092B-C50C-407E-A947-70E740481C1C}">
+                <a14:useLocalDpi xmlns:a14="http://schemas.microsoft.com/office/drawing/2010/main" val="0"/>
+              </a:ext>
+            </a:extLst>
+          </a:blip>
+          <a:stretch>
+            <a:fillRect/>
+          </a:stretch>
+        </p:blipFill>
+        <p:spPr>
+          <a:xfrm>
+            <a:off x="3489507" y="950260"/>
+            <a:ext cx="2132090" cy="4110318"/>
+          </a:xfrm>
+          <a:prstGeom prst="rect">
+            <a:avLst/>
+          </a:prstGeom>
+        </p:spPr>
+      </p:pic>
+      <p:pic>
+        <p:nvPicPr>
+          <p:cNvPr id="8" name="Рисунок 7">
+            <a:extLst>
+              <a:ext uri="{FF2B5EF4-FFF2-40B4-BE49-F238E27FC236}">
+                <a16:creationId xmlns:a16="http://schemas.microsoft.com/office/drawing/2014/main" id="{8E23550E-D9F9-49EB-9A2F-EF6D65D0EAEC}"/>
+              </a:ext>
+            </a:extLst>
+          </p:cNvPr>
+          <p:cNvPicPr>
+            <a:picLocks noChangeAspect="1"/>
+          </p:cNvPicPr>
+          <p:nvPr/>
+        </p:nvPicPr>
+        <p:blipFill>
+          <a:blip r:embed="rId4">
+            <a:extLst>
+              <a:ext uri="{28A0092B-C50C-407E-A947-70E740481C1C}">
+                <a14:useLocalDpi xmlns:a14="http://schemas.microsoft.com/office/drawing/2010/main" val="0"/>
+              </a:ext>
+            </a:extLst>
+          </a:blip>
+          <a:stretch>
+            <a:fillRect/>
+          </a:stretch>
+        </p:blipFill>
+        <p:spPr>
+          <a:xfrm>
+            <a:off x="6432842" y="950259"/>
+            <a:ext cx="2101558" cy="4110319"/>
+          </a:xfrm>
+          <a:prstGeom prst="rect">
+            <a:avLst/>
+          </a:prstGeom>
+        </p:spPr>
+      </p:pic>
+    </p:spTree>
+    <p:extLst>
+      <p:ext uri="{BB962C8B-B14F-4D97-AF65-F5344CB8AC3E}">
+        <p14:creationId xmlns:p14="http://schemas.microsoft.com/office/powerpoint/2010/main" val="495862793"/>
+      </p:ext>
+    </p:extLst>
+  </p:cSld>
+  <p:clrMapOvr>
+    <a:masterClrMapping/>
+  </p:clrMapOvr>
+</p:sld>
+</file>
+
+<file path=ppt/slides/slide7.xml><?xml version="1.0" encoding="utf-8"?>
+<p:sld xmlns:a="http://schemas.openxmlformats.org/drawingml/2006/main" xmlns:r="http://schemas.openxmlformats.org/officeDocument/2006/relationships" xmlns:p="http://schemas.openxmlformats.org/presentationml/2006/main">
+  <p:cSld>
+    <p:spTree>
+      <p:nvGrpSpPr>
+        <p:cNvPr id="1" name=""/>
+        <p:cNvGrpSpPr/>
+        <p:nvPr/>
+      </p:nvGrpSpPr>
+      <p:grpSpPr>
+        <a:xfrm>
+          <a:off x="0" y="0"/>
+          <a:ext cx="0" cy="0"/>
+          <a:chOff x="0" y="0"/>
+          <a:chExt cx="0" cy="0"/>
+        </a:xfrm>
+      </p:grpSpPr>
+      <p:sp>
+        <p:nvSpPr>
           <p:cNvPr id="10242" name="Заголовок 1"/>
           <p:cNvSpPr>
             <a:spLocks noGrp="1"/>
@@ -4568,398 +5071,7 @@
 </p:sld>
 </file>
 
-<file path=ppt/slides/slide5.xml><?xml version="1.0" encoding="utf-8"?>
-<p:sld xmlns:a="http://schemas.openxmlformats.org/drawingml/2006/main" xmlns:r="http://schemas.openxmlformats.org/officeDocument/2006/relationships" xmlns:p="http://schemas.openxmlformats.org/presentationml/2006/main">
-  <p:cSld>
-    <p:spTree>
-      <p:nvGrpSpPr>
-        <p:cNvPr id="1" name=""/>
-        <p:cNvGrpSpPr/>
-        <p:nvPr/>
-      </p:nvGrpSpPr>
-      <p:grpSpPr>
-        <a:xfrm>
-          <a:off x="0" y="0"/>
-          <a:ext cx="0" cy="0"/>
-          <a:chOff x="0" y="0"/>
-          <a:chExt cx="0" cy="0"/>
-        </a:xfrm>
-      </p:grpSpPr>
-      <p:sp>
-        <p:nvSpPr>
-          <p:cNvPr id="16386" name="Заголовок 1"/>
-          <p:cNvSpPr>
-            <a:spLocks noGrp="1"/>
-          </p:cNvSpPr>
-          <p:nvPr>
-            <p:ph type="title"/>
-          </p:nvPr>
-        </p:nvSpPr>
-        <p:spPr/>
-        <p:txBody>
-          <a:bodyPr/>
-          <a:lstStyle/>
-          <a:p>
-            <a:pPr eaLnBrk="1" hangingPunct="1"/>
-            <a:r>
-              <a:rPr lang="ru-RU"/>
-              <a:t>Требования</a:t>
-            </a:r>
-          </a:p>
-        </p:txBody>
-      </p:sp>
-      <p:sp>
-        <p:nvSpPr>
-          <p:cNvPr id="16387" name="TextBox 2"/>
-          <p:cNvSpPr txBox="1">
-            <a:spLocks noChangeArrowheads="1"/>
-          </p:cNvSpPr>
-          <p:nvPr/>
-        </p:nvSpPr>
-        <p:spPr bwMode="auto">
-          <a:xfrm>
-            <a:off x="2514600" y="1671638"/>
-            <a:ext cx="4114800" cy="1631216"/>
-          </a:xfrm>
-          <a:prstGeom prst="rect">
-            <a:avLst/>
-          </a:prstGeom>
-          <a:noFill/>
-          <a:ln>
-            <a:noFill/>
-          </a:ln>
-          <a:extLst>
-            <a:ext uri="{909E8E84-426E-40DD-AFC4-6F175D3DCCD1}">
-              <a14:hiddenFill xmlns:a14="http://schemas.microsoft.com/office/drawing/2010/main">
-                <a:solidFill>
-                  <a:srgbClr val="FFFFFF"/>
-                </a:solidFill>
-              </a14:hiddenFill>
-            </a:ext>
-            <a:ext uri="{91240B29-F687-4F45-9708-019B960494DF}">
-              <a14:hiddenLine xmlns:a14="http://schemas.microsoft.com/office/drawing/2010/main" w="9525">
-                <a:solidFill>
-                  <a:srgbClr val="000000"/>
-                </a:solidFill>
-                <a:miter lim="800000"/>
-                <a:headEnd/>
-                <a:tailEnd/>
-              </a14:hiddenLine>
-            </a:ext>
-          </a:extLst>
-        </p:spPr>
-        <p:txBody>
-          <a:bodyPr>
-            <a:spAutoFit/>
-          </a:bodyPr>
-          <a:lstStyle>
-            <a:lvl1pPr eaLnBrk="0" hangingPunct="0">
-              <a:defRPr>
-                <a:solidFill>
-                  <a:schemeClr val="tx1"/>
-                </a:solidFill>
-                <a:latin typeface="Calibri" pitchFamily="34" charset="0"/>
-                <a:cs typeface="Arial" charset="0"/>
-              </a:defRPr>
-            </a:lvl1pPr>
-            <a:lvl2pPr marL="742950" indent="-285750" eaLnBrk="0" hangingPunct="0">
-              <a:defRPr>
-                <a:solidFill>
-                  <a:schemeClr val="tx1"/>
-                </a:solidFill>
-                <a:latin typeface="Calibri" pitchFamily="34" charset="0"/>
-                <a:cs typeface="Arial" charset="0"/>
-              </a:defRPr>
-            </a:lvl2pPr>
-            <a:lvl3pPr marL="1143000" indent="-228600" eaLnBrk="0" hangingPunct="0">
-              <a:defRPr>
-                <a:solidFill>
-                  <a:schemeClr val="tx1"/>
-                </a:solidFill>
-                <a:latin typeface="Calibri" pitchFamily="34" charset="0"/>
-                <a:cs typeface="Arial" charset="0"/>
-              </a:defRPr>
-            </a:lvl3pPr>
-            <a:lvl4pPr marL="1600200" indent="-228600" eaLnBrk="0" hangingPunct="0">
-              <a:defRPr>
-                <a:solidFill>
-                  <a:schemeClr val="tx1"/>
-                </a:solidFill>
-                <a:latin typeface="Calibri" pitchFamily="34" charset="0"/>
-                <a:cs typeface="Arial" charset="0"/>
-              </a:defRPr>
-            </a:lvl4pPr>
-            <a:lvl5pPr marL="2057400" indent="-228600" eaLnBrk="0" hangingPunct="0">
-              <a:defRPr>
-                <a:solidFill>
-                  <a:schemeClr val="tx1"/>
-                </a:solidFill>
-                <a:latin typeface="Calibri" pitchFamily="34" charset="0"/>
-                <a:cs typeface="Arial" charset="0"/>
-              </a:defRPr>
-            </a:lvl5pPr>
-            <a:lvl6pPr marL="2514600" indent="-228600" eaLnBrk="0" fontAlgn="base" hangingPunct="0">
-              <a:spcBef>
-                <a:spcPct val="0"/>
-              </a:spcBef>
-              <a:spcAft>
-                <a:spcPct val="0"/>
-              </a:spcAft>
-              <a:defRPr>
-                <a:solidFill>
-                  <a:schemeClr val="tx1"/>
-                </a:solidFill>
-                <a:latin typeface="Calibri" pitchFamily="34" charset="0"/>
-                <a:cs typeface="Arial" charset="0"/>
-              </a:defRPr>
-            </a:lvl6pPr>
-            <a:lvl7pPr marL="2971800" indent="-228600" eaLnBrk="0" fontAlgn="base" hangingPunct="0">
-              <a:spcBef>
-                <a:spcPct val="0"/>
-              </a:spcBef>
-              <a:spcAft>
-                <a:spcPct val="0"/>
-              </a:spcAft>
-              <a:defRPr>
-                <a:solidFill>
-                  <a:schemeClr val="tx1"/>
-                </a:solidFill>
-                <a:latin typeface="Calibri" pitchFamily="34" charset="0"/>
-                <a:cs typeface="Arial" charset="0"/>
-              </a:defRPr>
-            </a:lvl7pPr>
-            <a:lvl8pPr marL="3429000" indent="-228600" eaLnBrk="0" fontAlgn="base" hangingPunct="0">
-              <a:spcBef>
-                <a:spcPct val="0"/>
-              </a:spcBef>
-              <a:spcAft>
-                <a:spcPct val="0"/>
-              </a:spcAft>
-              <a:defRPr>
-                <a:solidFill>
-                  <a:schemeClr val="tx1"/>
-                </a:solidFill>
-                <a:latin typeface="Calibri" pitchFamily="34" charset="0"/>
-                <a:cs typeface="Arial" charset="0"/>
-              </a:defRPr>
-            </a:lvl8pPr>
-            <a:lvl9pPr marL="3886200" indent="-228600" eaLnBrk="0" fontAlgn="base" hangingPunct="0">
-              <a:spcBef>
-                <a:spcPct val="0"/>
-              </a:spcBef>
-              <a:spcAft>
-                <a:spcPct val="0"/>
-              </a:spcAft>
-              <a:defRPr>
-                <a:solidFill>
-                  <a:schemeClr val="tx1"/>
-                </a:solidFill>
-                <a:latin typeface="Calibri" pitchFamily="34" charset="0"/>
-                <a:cs typeface="Arial" charset="0"/>
-              </a:defRPr>
-            </a:lvl9pPr>
-          </a:lstStyle>
-          <a:p>
-            <a:pPr eaLnBrk="1" hangingPunct="1"/>
-            <a:r>
-              <a:rPr lang="ru-RU" sz="2000" dirty="0"/>
-              <a:t>Версия </a:t>
-            </a:r>
-            <a:r>
-              <a:rPr lang="en-US" sz="2000" dirty="0"/>
-              <a:t>Android: </a:t>
-            </a:r>
-            <a:r>
-              <a:rPr lang="ru-RU" sz="2000" dirty="0"/>
-              <a:t>5 и выше</a:t>
-            </a:r>
-          </a:p>
-          <a:p>
-            <a:pPr eaLnBrk="1" hangingPunct="1"/>
-            <a:endParaRPr lang="ru-RU" sz="2000" dirty="0"/>
-          </a:p>
-          <a:p>
-            <a:pPr eaLnBrk="1" hangingPunct="1"/>
-            <a:r>
-              <a:rPr lang="ru-RU" sz="2000" dirty="0"/>
-              <a:t>Занимаемая память: 6,5</a:t>
-            </a:r>
-            <a:r>
-              <a:rPr lang="en-US" sz="2000" dirty="0"/>
-              <a:t> </a:t>
-            </a:r>
-            <a:r>
-              <a:rPr lang="ru-RU" sz="2000" dirty="0"/>
-              <a:t>Мб</a:t>
-            </a:r>
-          </a:p>
-          <a:p>
-            <a:pPr eaLnBrk="1" hangingPunct="1"/>
-            <a:endParaRPr lang="ru-RU" sz="2000" dirty="0"/>
-          </a:p>
-          <a:p>
-            <a:pPr eaLnBrk="1" hangingPunct="1"/>
-            <a:endParaRPr lang="ru-RU" sz="2000" dirty="0"/>
-          </a:p>
-        </p:txBody>
-      </p:sp>
-      <p:pic>
-        <p:nvPicPr>
-          <p:cNvPr id="16388" name="Picture 3"/>
-          <p:cNvPicPr>
-            <a:picLocks noChangeAspect="1" noChangeArrowheads="1"/>
-          </p:cNvPicPr>
-          <p:nvPr/>
-        </p:nvPicPr>
-        <p:blipFill>
-          <a:blip r:embed="rId2">
-            <a:clrChange>
-              <a:clrFrom>
-                <a:srgbClr val="000000"/>
-              </a:clrFrom>
-              <a:clrTo>
-                <a:srgbClr val="000000">
-                  <a:alpha val="0"/>
-                </a:srgbClr>
-              </a:clrTo>
-            </a:clrChange>
-            <a:extLst>
-              <a:ext uri="{28A0092B-C50C-407E-A947-70E740481C1C}">
-                <a14:useLocalDpi xmlns:a14="http://schemas.microsoft.com/office/drawing/2010/main" val="0"/>
-              </a:ext>
-            </a:extLst>
-          </a:blip>
-          <a:srcRect/>
-          <a:stretch>
-            <a:fillRect/>
-          </a:stretch>
-        </p:blipFill>
-        <p:spPr bwMode="auto">
-          <a:xfrm rot="943840">
-            <a:off x="1843088" y="1457325"/>
-            <a:ext cx="709612" cy="708025"/>
-          </a:xfrm>
-          <a:prstGeom prst="rect">
-            <a:avLst/>
-          </a:prstGeom>
-          <a:noFill/>
-          <a:ln>
-            <a:noFill/>
-          </a:ln>
-          <a:effectLst/>
-          <a:extLst>
-            <a:ext uri="{909E8E84-426E-40DD-AFC4-6F175D3DCCD1}">
-              <a14:hiddenFill xmlns:a14="http://schemas.microsoft.com/office/drawing/2010/main">
-                <a:solidFill>
-                  <a:schemeClr val="accent1"/>
-                </a:solidFill>
-              </a14:hiddenFill>
-            </a:ext>
-            <a:ext uri="{91240B29-F687-4F45-9708-019B960494DF}">
-              <a14:hiddenLine xmlns:a14="http://schemas.microsoft.com/office/drawing/2010/main" w="9525">
-                <a:solidFill>
-                  <a:schemeClr val="tx1"/>
-                </a:solidFill>
-                <a:miter lim="800000"/>
-                <a:headEnd/>
-                <a:tailEnd/>
-              </a14:hiddenLine>
-            </a:ext>
-            <a:ext uri="{AF507438-7753-43E0-B8FC-AC1667EBCBE1}">
-              <a14:hiddenEffects xmlns:a14="http://schemas.microsoft.com/office/drawing/2010/main">
-                <a:effectLst>
-                  <a:outerShdw dist="35921" dir="2700000" algn="ctr" rotWithShape="0">
-                    <a:schemeClr val="bg2"/>
-                  </a:outerShdw>
-                </a:effectLst>
-              </a14:hiddenEffects>
-            </a:ext>
-          </a:extLst>
-        </p:spPr>
-      </p:pic>
-      <p:pic>
-        <p:nvPicPr>
-          <p:cNvPr id="16389" name="Picture 5"/>
-          <p:cNvPicPr>
-            <a:picLocks noChangeAspect="1" noChangeArrowheads="1"/>
-          </p:cNvPicPr>
-          <p:nvPr/>
-        </p:nvPicPr>
-        <p:blipFill>
-          <a:blip r:embed="rId3">
-            <a:clrChange>
-              <a:clrFrom>
-                <a:srgbClr val="FFFFFF"/>
-              </a:clrFrom>
-              <a:clrTo>
-                <a:srgbClr val="FFFFFF">
-                  <a:alpha val="0"/>
-                </a:srgbClr>
-              </a:clrTo>
-            </a:clrChange>
-            <a:extLst>
-              <a:ext uri="{28A0092B-C50C-407E-A947-70E740481C1C}">
-                <a14:useLocalDpi xmlns:a14="http://schemas.microsoft.com/office/drawing/2010/main" val="0"/>
-              </a:ext>
-            </a:extLst>
-          </a:blip>
-          <a:srcRect l="30762" t="7211" r="26099" b="11057"/>
-          <a:stretch>
-            <a:fillRect/>
-          </a:stretch>
-        </p:blipFill>
-        <p:spPr bwMode="auto">
-          <a:xfrm>
-            <a:off x="1892300" y="2173288"/>
-            <a:ext cx="709613" cy="628650"/>
-          </a:xfrm>
-          <a:prstGeom prst="rect">
-            <a:avLst/>
-          </a:prstGeom>
-          <a:noFill/>
-          <a:ln>
-            <a:noFill/>
-          </a:ln>
-          <a:effectLst/>
-          <a:extLst>
-            <a:ext uri="{909E8E84-426E-40DD-AFC4-6F175D3DCCD1}">
-              <a14:hiddenFill xmlns:a14="http://schemas.microsoft.com/office/drawing/2010/main">
-                <a:solidFill>
-                  <a:schemeClr val="accent1"/>
-                </a:solidFill>
-              </a14:hiddenFill>
-            </a:ext>
-            <a:ext uri="{91240B29-F687-4F45-9708-019B960494DF}">
-              <a14:hiddenLine xmlns:a14="http://schemas.microsoft.com/office/drawing/2010/main" w="9525">
-                <a:solidFill>
-                  <a:schemeClr val="tx1"/>
-                </a:solidFill>
-                <a:miter lim="800000"/>
-                <a:headEnd/>
-                <a:tailEnd/>
-              </a14:hiddenLine>
-            </a:ext>
-            <a:ext uri="{AF507438-7753-43E0-B8FC-AC1667EBCBE1}">
-              <a14:hiddenEffects xmlns:a14="http://schemas.microsoft.com/office/drawing/2010/main">
-                <a:effectLst>
-                  <a:outerShdw dist="35921" dir="2700000" algn="ctr" rotWithShape="0">
-                    <a:schemeClr val="bg2"/>
-                  </a:outerShdw>
-                </a:effectLst>
-              </a14:hiddenEffects>
-            </a:ext>
-          </a:extLst>
-        </p:spPr>
-      </p:pic>
-    </p:spTree>
-  </p:cSld>
-  <p:clrMapOvr>
-    <a:masterClrMapping/>
-  </p:clrMapOvr>
-</p:sld>
-</file>
-
-<file path=ppt/slides/slide6.xml><?xml version="1.0" encoding="utf-8"?>
+<file path=ppt/slides/slide8.xml><?xml version="1.0" encoding="utf-8"?>
 <p:sld xmlns:a="http://schemas.openxmlformats.org/drawingml/2006/main" xmlns:r="http://schemas.openxmlformats.org/officeDocument/2006/relationships" xmlns:p="http://schemas.openxmlformats.org/presentationml/2006/main">
   <p:cSld>
     <p:spTree>
@@ -5152,7 +5264,7 @@
 </p:sld>
 </file>
 
-<file path=ppt/slides/slide7.xml><?xml version="1.0" encoding="utf-8"?>
+<file path=ppt/slides/slide9.xml><?xml version="1.0" encoding="utf-8"?>
 <p:sld xmlns:a="http://schemas.openxmlformats.org/drawingml/2006/main" xmlns:r="http://schemas.openxmlformats.org/officeDocument/2006/relationships" xmlns:p="http://schemas.openxmlformats.org/presentationml/2006/main">
   <p:cSld>
     <p:spTree>
